--- a/Documents/ความเชื่อมโยงของอุปกรณ์.pptx
+++ b/Documents/ความเชื่อมโยงของอุปกรณ์.pptx
@@ -197,7 +197,7 @@
           <a:p>
             <a:fld id="{1600A74E-378B-45EF-BC2C-D79F5B00D8CB}" type="datetimeFigureOut">
               <a:rPr lang="en-US" smtClean="0"/>
-              <a:t>11/23/2025</a:t>
+              <a:t>11/24/2025</a:t>
             </a:fld>
             <a:endParaRPr lang="en-US"/>
           </a:p>
@@ -695,7 +695,7 @@
           <a:p>
             <a:fld id="{435B1240-90E1-424D-AEC5-482B87557318}" type="datetimeFigureOut">
               <a:rPr lang="en-US" smtClean="0"/>
-              <a:t>11/23/2025</a:t>
+              <a:t>11/24/2025</a:t>
             </a:fld>
             <a:endParaRPr lang="en-US"/>
           </a:p>
@@ -893,7 +893,7 @@
           <a:p>
             <a:fld id="{435B1240-90E1-424D-AEC5-482B87557318}" type="datetimeFigureOut">
               <a:rPr lang="en-US" smtClean="0"/>
-              <a:t>11/23/2025</a:t>
+              <a:t>11/24/2025</a:t>
             </a:fld>
             <a:endParaRPr lang="en-US"/>
           </a:p>
@@ -1101,7 +1101,7 @@
           <a:p>
             <a:fld id="{435B1240-90E1-424D-AEC5-482B87557318}" type="datetimeFigureOut">
               <a:rPr lang="en-US" smtClean="0"/>
-              <a:t>11/23/2025</a:t>
+              <a:t>11/24/2025</a:t>
             </a:fld>
             <a:endParaRPr lang="en-US"/>
           </a:p>
@@ -1299,7 +1299,7 @@
           <a:p>
             <a:fld id="{435B1240-90E1-424D-AEC5-482B87557318}" type="datetimeFigureOut">
               <a:rPr lang="en-US" smtClean="0"/>
-              <a:t>11/23/2025</a:t>
+              <a:t>11/24/2025</a:t>
             </a:fld>
             <a:endParaRPr lang="en-US"/>
           </a:p>
@@ -1574,7 +1574,7 @@
           <a:p>
             <a:fld id="{435B1240-90E1-424D-AEC5-482B87557318}" type="datetimeFigureOut">
               <a:rPr lang="en-US" smtClean="0"/>
-              <a:t>11/23/2025</a:t>
+              <a:t>11/24/2025</a:t>
             </a:fld>
             <a:endParaRPr lang="en-US"/>
           </a:p>
@@ -1839,7 +1839,7 @@
           <a:p>
             <a:fld id="{435B1240-90E1-424D-AEC5-482B87557318}" type="datetimeFigureOut">
               <a:rPr lang="en-US" smtClean="0"/>
-              <a:t>11/23/2025</a:t>
+              <a:t>11/24/2025</a:t>
             </a:fld>
             <a:endParaRPr lang="en-US"/>
           </a:p>
@@ -2251,7 +2251,7 @@
           <a:p>
             <a:fld id="{435B1240-90E1-424D-AEC5-482B87557318}" type="datetimeFigureOut">
               <a:rPr lang="en-US" smtClean="0"/>
-              <a:t>11/23/2025</a:t>
+              <a:t>11/24/2025</a:t>
             </a:fld>
             <a:endParaRPr lang="en-US"/>
           </a:p>
@@ -2392,7 +2392,7 @@
           <a:p>
             <a:fld id="{435B1240-90E1-424D-AEC5-482B87557318}" type="datetimeFigureOut">
               <a:rPr lang="en-US" smtClean="0"/>
-              <a:t>11/23/2025</a:t>
+              <a:t>11/24/2025</a:t>
             </a:fld>
             <a:endParaRPr lang="en-US"/>
           </a:p>
@@ -2505,7 +2505,7 @@
           <a:p>
             <a:fld id="{435B1240-90E1-424D-AEC5-482B87557318}" type="datetimeFigureOut">
               <a:rPr lang="en-US" smtClean="0"/>
-              <a:t>11/23/2025</a:t>
+              <a:t>11/24/2025</a:t>
             </a:fld>
             <a:endParaRPr lang="en-US"/>
           </a:p>
@@ -2816,7 +2816,7 @@
           <a:p>
             <a:fld id="{435B1240-90E1-424D-AEC5-482B87557318}" type="datetimeFigureOut">
               <a:rPr lang="en-US" smtClean="0"/>
-              <a:t>11/23/2025</a:t>
+              <a:t>11/24/2025</a:t>
             </a:fld>
             <a:endParaRPr lang="en-US"/>
           </a:p>
@@ -3104,7 +3104,7 @@
           <a:p>
             <a:fld id="{435B1240-90E1-424D-AEC5-482B87557318}" type="datetimeFigureOut">
               <a:rPr lang="en-US" smtClean="0"/>
-              <a:t>11/23/2025</a:t>
+              <a:t>11/24/2025</a:t>
             </a:fld>
             <a:endParaRPr lang="en-US"/>
           </a:p>
@@ -3345,7 +3345,7 @@
           <a:p>
             <a:fld id="{435B1240-90E1-424D-AEC5-482B87557318}" type="datetimeFigureOut">
               <a:rPr lang="en-US" smtClean="0"/>
-              <a:t>11/23/2025</a:t>
+              <a:t>11/24/2025</a:t>
             </a:fld>
             <a:endParaRPr lang="en-US"/>
           </a:p>
@@ -3828,6 +3828,28 @@
               </a:clrTo>
             </a:clrChange>
             <a:extLst>
+              <a:ext uri="{BEBA8EAE-BF5A-486C-A8C5-ECC9F3942E4B}">
+                <a14:imgProps xmlns:a14="http://schemas.microsoft.com/office/drawing/2010/main">
+                  <a14:imgLayer r:embed="rId4">
+                    <a14:imgEffect>
+                      <a14:backgroundRemoval t="3911" b="97765" l="10000" r="90000">
+                        <a14:foregroundMark x1="31667" y1="10615" x2="75833" y2="8939"/>
+                        <a14:foregroundMark x1="45000" y1="8939" x2="46667" y2="3911"/>
+                        <a14:foregroundMark x1="36667" y1="41341" x2="38333" y2="54749"/>
+                        <a14:foregroundMark x1="40000" y1="87151" x2="50000" y2="85475"/>
+                        <a14:foregroundMark x1="43333" y1="88827" x2="49167" y2="88827"/>
+                        <a14:foregroundMark x1="46667" y1="91061" x2="50000" y2="97765"/>
+                        <a14:foregroundMark x1="36667" y1="55866" x2="37500" y2="67598"/>
+                        <a14:foregroundMark x1="40000" y1="65363" x2="38333" y2="71508"/>
+                        <a14:foregroundMark x1="37500" y1="65363" x2="38333" y2="72067"/>
+                        <a14:foregroundMark x1="48333" y1="63128" x2="50000" y2="58101"/>
+                        <a14:foregroundMark x1="50833" y1="55866" x2="50833" y2="67039"/>
+                        <a14:foregroundMark x1="35000" y1="48045" x2="29167" y2="43017"/>
+                      </a14:backgroundRemoval>
+                    </a14:imgEffect>
+                  </a14:imgLayer>
+                </a14:imgProps>
+              </a:ext>
               <a:ext uri="{28A0092B-C50C-407E-A947-70E740481C1C}">
                 <a14:useLocalDpi xmlns:a14="http://schemas.microsoft.com/office/drawing/2010/main" val="0"/>
               </a:ext>
@@ -3912,7 +3934,7 @@
           <p:nvPr/>
         </p:nvPicPr>
         <p:blipFill>
-          <a:blip r:embed="rId4">
+          <a:blip r:embed="rId5">
             <a:clrChange>
               <a:clrFrom>
                 <a:srgbClr val="FFFFFF"/>
@@ -3993,7 +4015,7 @@
           <p:nvPr/>
         </p:nvPicPr>
         <p:blipFill rotWithShape="1">
-          <a:blip r:embed="rId5">
+          <a:blip r:embed="rId6">
             <a:clrChange>
               <a:clrFrom>
                 <a:srgbClr val="FFFFFF"/>
@@ -4093,7 +4115,7 @@
           <p:nvPr/>
         </p:nvPicPr>
         <p:blipFill>
-          <a:blip r:embed="rId6">
+          <a:blip r:embed="rId7">
             <a:extLst>
               <a:ext uri="{28A0092B-C50C-407E-A947-70E740481C1C}">
                 <a14:useLocalDpi xmlns:a14="http://schemas.microsoft.com/office/drawing/2010/main" val="0"/>
@@ -4140,7 +4162,7 @@
           <p:nvPr/>
         </p:nvPicPr>
         <p:blipFill>
-          <a:blip r:embed="rId7">
+          <a:blip r:embed="rId8">
             <a:clrChange>
               <a:clrFrom>
                 <a:srgbClr val="FFFFFF"/>
@@ -4197,7 +4219,7 @@
           <p:nvPr/>
         </p:nvPicPr>
         <p:blipFill>
-          <a:blip r:embed="rId8">
+          <a:blip r:embed="rId9">
             <a:clrChange>
               <a:clrFrom>
                 <a:srgbClr val="000000">
@@ -4256,7 +4278,7 @@
           <p:nvPr/>
         </p:nvPicPr>
         <p:blipFill rotWithShape="1">
-          <a:blip r:embed="rId9">
+          <a:blip r:embed="rId10">
             <a:clrChange>
               <a:clrFrom>
                 <a:srgbClr val="FFFFFF"/>
@@ -4313,7 +4335,7 @@
           <p:nvPr/>
         </p:nvPicPr>
         <p:blipFill>
-          <a:blip r:embed="rId10">
+          <a:blip r:embed="rId11">
             <a:extLst>
               <a:ext uri="{28A0092B-C50C-407E-A947-70E740481C1C}">
                 <a14:useLocalDpi xmlns:a14="http://schemas.microsoft.com/office/drawing/2010/main" val="0"/>
